--- a/PPT/Angular02-Install.pptx
+++ b/PPT/Angular02-Install.pptx
@@ -4433,11 +4433,7 @@
             </a:r>
             <a:r>
               <a:rPr lang="fr-FR" dirty="0" smtClean="0"/>
-              <a:t> </a:t>
-            </a:r>
-            <a:r>
-              <a:rPr lang="fr-FR" dirty="0" smtClean="0"/>
-              <a:t>est nécessaire</a:t>
+              <a:t> est nécessaire</a:t>
             </a:r>
           </a:p>
           <a:p>
@@ -4456,11 +4452,7 @@
             </a:r>
             <a:r>
               <a:rPr lang="fr-FR" dirty="0" smtClean="0"/>
-              <a:t> </a:t>
-            </a:r>
-            <a:r>
-              <a:rPr lang="fr-FR" dirty="0" smtClean="0"/>
-              <a:t>suffit	</a:t>
+              <a:t> suffit	</a:t>
             </a:r>
           </a:p>
           <a:p>
@@ -4955,12 +4947,12 @@
               <a:t>/ signifie que le site sera </a:t>
             </a:r>
             <a:r>
-              <a:rPr lang="fr-FR" dirty="0" err="1" smtClean="0"/>
-              <a:t>accéssible</a:t>
-            </a:r>
-            <a:r>
               <a:rPr lang="fr-FR" dirty="0" smtClean="0"/>
-              <a:t> directement depuis /</a:t>
+              <a:t>accessible </a:t>
+            </a:r>
+            <a:r>
+              <a:rPr lang="fr-FR" dirty="0" smtClean="0"/>
+              <a:t>directement depuis /</a:t>
             </a:r>
             <a:endParaRPr lang="fr-FR" dirty="0"/>
           </a:p>

--- a/PPT/Angular02-Install.pptx
+++ b/PPT/Angular02-Install.pptx
@@ -4380,37 +4380,13 @@
             </a:r>
           </a:p>
           <a:p>
-            <a:pPr lvl="1"/>
-            <a:r>
-              <a:rPr lang="fr-FR" dirty="0" err="1"/>
-              <a:t>n</a:t>
-            </a:r>
-            <a:r>
-              <a:rPr lang="fr-FR" dirty="0" err="1" smtClean="0"/>
-              <a:t>pm</a:t>
+            <a:r>
+              <a:rPr lang="fr-FR" smtClean="0"/>
+              <a:t>Par </a:t>
             </a:r>
             <a:r>
               <a:rPr lang="fr-FR" dirty="0" smtClean="0"/>
-              <a:t> </a:t>
-            </a:r>
-            <a:r>
-              <a:rPr lang="fr-FR" dirty="0" err="1" smtClean="0"/>
-              <a:t>install</a:t>
-            </a:r>
-            <a:r>
-              <a:rPr lang="fr-FR" dirty="0"/>
-              <a:t> </a:t>
-            </a:r>
-            <a:r>
-              <a:rPr lang="fr-FR" dirty="0" err="1" smtClean="0"/>
-              <a:t>angular-quickstart</a:t>
-            </a:r>
-            <a:endParaRPr lang="fr-FR" dirty="0" smtClean="0"/>
-          </a:p>
-          <a:p>
-            <a:r>
-              <a:rPr lang="fr-FR" dirty="0" smtClean="0"/>
-              <a:t>Par CLI </a:t>
+              <a:t>CLI </a:t>
             </a:r>
             <a:r>
               <a:rPr lang="fr-FR" dirty="0" err="1" smtClean="0"/>
@@ -4944,15 +4920,7 @@
             </a:r>
             <a:r>
               <a:rPr lang="fr-FR" dirty="0" smtClean="0"/>
-              <a:t>/ signifie que le site sera </a:t>
-            </a:r>
-            <a:r>
-              <a:rPr lang="fr-FR" dirty="0" smtClean="0"/>
-              <a:t>accessible </a:t>
-            </a:r>
-            <a:r>
-              <a:rPr lang="fr-FR" dirty="0" smtClean="0"/>
-              <a:t>directement depuis /</a:t>
+              <a:t>/ signifie que le site sera accessible directement depuis /</a:t>
             </a:r>
             <a:endParaRPr lang="fr-FR" dirty="0"/>
           </a:p>

--- a/PPT/Angular02-Install.pptx
+++ b/PPT/Angular02-Install.pptx
@@ -4567,15 +4567,7 @@
             </a:r>
             <a:r>
               <a:rPr lang="fr-FR" dirty="0" err="1" smtClean="0"/>
-              <a:t>angular</a:t>
-            </a:r>
-            <a:r>
-              <a:rPr lang="fr-FR" dirty="0" smtClean="0"/>
-              <a:t>-tour-of-</a:t>
-            </a:r>
-            <a:r>
-              <a:rPr lang="fr-FR" dirty="0" err="1" smtClean="0"/>
-              <a:t>heroes</a:t>
+              <a:t>toh</a:t>
             </a:r>
             <a:endParaRPr lang="fr-FR" dirty="0" smtClean="0"/>
           </a:p>

--- a/PPT/Angular02-Install.pptx
+++ b/PPT/Angular02-Install.pptx
@@ -16,8 +16,8 @@
     <p:sldId id="314" r:id="rId4"/>
     <p:sldId id="315" r:id="rId5"/>
     <p:sldId id="317" r:id="rId6"/>
-    <p:sldId id="316" r:id="rId7"/>
-    <p:sldId id="318" r:id="rId8"/>
+    <p:sldId id="318" r:id="rId7"/>
+    <p:sldId id="316" r:id="rId8"/>
   </p:sldIdLst>
   <p:sldSz cx="9144000" cy="6858000" type="screen4x3"/>
   <p:notesSz cx="6648450" cy="9782175"/>
@@ -4637,8 +4637,8 @@
           <a:lstStyle/>
           <a:p>
             <a:r>
-              <a:rPr lang="fr-FR" dirty="0" smtClean="0"/>
-              <a:t>Démarrage</a:t>
+              <a:rPr lang="fr-FR" dirty="0" err="1" smtClean="0"/>
+              <a:t>Build</a:t>
             </a:r>
             <a:endParaRPr lang="fr-FR" dirty="0"/>
           </a:p>
@@ -4660,77 +4660,125 @@
           <a:lstStyle/>
           <a:p>
             <a:r>
-              <a:rPr lang="fr-FR" dirty="0" smtClean="0"/>
-              <a:t>Démarrage de l’application</a:t>
-            </a:r>
-          </a:p>
-          <a:p>
-            <a:pPr lvl="1"/>
-            <a:r>
-              <a:rPr lang="fr-FR" dirty="0" err="1" smtClean="0"/>
-              <a:t>Transpilation</a:t>
-            </a:r>
-            <a:r>
-              <a:rPr lang="fr-FR" dirty="0" smtClean="0"/>
-              <a:t> de TS</a:t>
-            </a:r>
-          </a:p>
-          <a:p>
-            <a:pPr lvl="1"/>
-            <a:r>
-              <a:rPr lang="fr-FR" dirty="0" smtClean="0"/>
-              <a:t>Création du server lite-server</a:t>
-            </a:r>
-          </a:p>
-          <a:p>
-            <a:pPr lvl="1"/>
-            <a:r>
-              <a:rPr lang="fr-FR" dirty="0" smtClean="0"/>
-              <a:t>Démarrage en mode navigateur</a:t>
-            </a:r>
-          </a:p>
-          <a:p>
-            <a:pPr lvl="1"/>
+              <a:rPr lang="fr-FR" dirty="0"/>
+              <a:t>Génération coté serveur</a:t>
+            </a:r>
+          </a:p>
+          <a:p>
             <a:r>
               <a:rPr lang="fr-FR" dirty="0" err="1"/>
-              <a:t>ng</a:t>
+              <a:t>Ng</a:t>
             </a:r>
             <a:r>
               <a:rPr lang="fr-FR" dirty="0"/>
               <a:t> </a:t>
             </a:r>
             <a:r>
+              <a:rPr lang="fr-FR" dirty="0" err="1"/>
+              <a:t>build</a:t>
+            </a:r>
+            <a:endParaRPr lang="fr-FR" dirty="0"/>
+          </a:p>
+          <a:p>
+            <a:r>
+              <a:rPr lang="fr-FR" dirty="0" err="1"/>
+              <a:t>Transpile</a:t>
+            </a:r>
+            <a:r>
+              <a:rPr lang="fr-FR" dirty="0"/>
+              <a:t> dans /</a:t>
+            </a:r>
+            <a:r>
+              <a:rPr lang="fr-FR" dirty="0" err="1" smtClean="0"/>
+              <a:t>dist</a:t>
+            </a:r>
+            <a:endParaRPr lang="fr-FR" dirty="0" smtClean="0"/>
+          </a:p>
+          <a:p>
+            <a:pPr lvl="1"/>
+            <a:r>
               <a:rPr lang="fr-FR" dirty="0" smtClean="0"/>
-              <a:t>serve --open</a:t>
-            </a:r>
-          </a:p>
-          <a:p>
-            <a:pPr lvl="2"/>
+              <a:t>--output-</a:t>
+            </a:r>
+            <a:r>
+              <a:rPr lang="fr-FR" dirty="0" err="1" smtClean="0"/>
+              <a:t>path</a:t>
+            </a:r>
             <a:r>
               <a:rPr lang="fr-FR" dirty="0" smtClean="0"/>
-              <a:t>depuis le dossier de votre projet</a:t>
+              <a:t> change ce répertoire</a:t>
+            </a:r>
+          </a:p>
+          <a:p>
+            <a:r>
+              <a:rPr lang="fr-FR" dirty="0" smtClean="0"/>
+              <a:t>--</a:t>
+            </a:r>
+            <a:r>
+              <a:rPr lang="fr-FR" dirty="0" err="1" smtClean="0"/>
+              <a:t>prod</a:t>
+            </a:r>
+            <a:r>
+              <a:rPr lang="fr-FR" dirty="0" smtClean="0"/>
+              <a:t> </a:t>
+            </a:r>
+            <a:r>
+              <a:rPr lang="fr-FR" dirty="0" err="1" smtClean="0"/>
+              <a:t>uglify</a:t>
+            </a:r>
+            <a:r>
+              <a:rPr lang="fr-FR" dirty="0" smtClean="0"/>
+              <a:t> et </a:t>
+            </a:r>
+            <a:r>
+              <a:rPr lang="fr-FR" dirty="0" err="1" smtClean="0"/>
+              <a:t>minimize</a:t>
+            </a:r>
+            <a:r>
+              <a:rPr lang="fr-FR" dirty="0" smtClean="0"/>
+              <a:t> les fichiers </a:t>
+            </a:r>
+          </a:p>
+          <a:p>
+            <a:r>
+              <a:rPr lang="fr-FR" dirty="0" smtClean="0"/>
+              <a:t>-- base-</a:t>
+            </a:r>
+            <a:r>
+              <a:rPr lang="fr-FR" dirty="0" err="1" smtClean="0"/>
+              <a:t>href</a:t>
+            </a:r>
+            <a:r>
+              <a:rPr lang="fr-FR" dirty="0" smtClean="0"/>
+              <a:t> signifie l’url de base du futur site</a:t>
             </a:r>
           </a:p>
           <a:p>
             <a:pPr lvl="1"/>
             <a:r>
               <a:rPr lang="fr-FR" dirty="0" smtClean="0"/>
-              <a:t>--open démarre la navigateur</a:t>
-            </a:r>
-          </a:p>
-          <a:p>
-            <a:pPr lvl="1"/>
+              <a:t>Par exemple –base-</a:t>
+            </a:r>
+            <a:r>
+              <a:rPr lang="fr-FR" dirty="0" err="1" smtClean="0"/>
+              <a:t>href</a:t>
+            </a:r>
+            <a:r>
+              <a:rPr lang="fr-FR" dirty="0"/>
+              <a:t> </a:t>
+            </a:r>
             <a:r>
               <a:rPr lang="fr-FR" dirty="0" smtClean="0"/>
-              <a:t>Port 4200 par défaut</a:t>
-            </a:r>
+              <a:t>/ signifie que le site sera accessible directement depuis /</a:t>
+            </a:r>
+            <a:endParaRPr lang="fr-FR" dirty="0"/>
           </a:p>
         </p:txBody>
       </p:sp>
     </p:spTree>
     <p:extLst>
       <p:ext uri="{BB962C8B-B14F-4D97-AF65-F5344CB8AC3E}">
-        <p14:creationId xmlns:p14="http://schemas.microsoft.com/office/powerpoint/2010/main" val="3921982534"/>
+        <p14:creationId xmlns:p14="http://schemas.microsoft.com/office/powerpoint/2010/main" val="191990745"/>
       </p:ext>
     </p:extLst>
   </p:cSld>
@@ -4780,8 +4828,8 @@
           <a:lstStyle/>
           <a:p>
             <a:r>
-              <a:rPr lang="fr-FR" dirty="0" err="1" smtClean="0"/>
-              <a:t>Build</a:t>
+              <a:rPr lang="fr-FR" dirty="0" smtClean="0"/>
+              <a:t>Démarrage</a:t>
             </a:r>
             <a:endParaRPr lang="fr-FR" dirty="0"/>
           </a:p>
@@ -4803,125 +4851,93 @@
           <a:lstStyle/>
           <a:p>
             <a:r>
-              <a:rPr lang="fr-FR" dirty="0"/>
-              <a:t>Génération coté serveur</a:t>
-            </a:r>
-          </a:p>
-          <a:p>
+              <a:rPr lang="fr-FR" dirty="0" smtClean="0"/>
+              <a:t>Démarrage de l’application</a:t>
+            </a:r>
+          </a:p>
+          <a:p>
+            <a:pPr lvl="1"/>
+            <a:r>
+              <a:rPr lang="fr-FR" dirty="0" err="1" smtClean="0"/>
+              <a:t>Transpilation</a:t>
+            </a:r>
+            <a:r>
+              <a:rPr lang="fr-FR" dirty="0" smtClean="0"/>
+              <a:t> de TS</a:t>
+            </a:r>
+          </a:p>
+          <a:p>
+            <a:pPr lvl="1"/>
+            <a:r>
+              <a:rPr lang="fr-FR" dirty="0" smtClean="0"/>
+              <a:t>Création du server lite-server</a:t>
+            </a:r>
+          </a:p>
+          <a:p>
+            <a:pPr lvl="1"/>
+            <a:r>
+              <a:rPr lang="fr-FR" dirty="0" smtClean="0"/>
+              <a:t>Démarrage en mode navigateur</a:t>
+            </a:r>
+          </a:p>
+          <a:p>
+            <a:pPr lvl="1"/>
             <a:r>
               <a:rPr lang="fr-FR" dirty="0" err="1"/>
-              <a:t>Ng</a:t>
+              <a:t>ng</a:t>
             </a:r>
             <a:r>
               <a:rPr lang="fr-FR" dirty="0"/>
               <a:t> </a:t>
             </a:r>
             <a:r>
-              <a:rPr lang="fr-FR" dirty="0" err="1"/>
+              <a:rPr lang="fr-FR" dirty="0" smtClean="0"/>
+              <a:t>serve --open</a:t>
+            </a:r>
+          </a:p>
+          <a:p>
+            <a:pPr lvl="2"/>
+            <a:r>
+              <a:rPr lang="fr-FR" dirty="0" smtClean="0"/>
+              <a:t>depuis le dossier de votre projet</a:t>
+            </a:r>
+          </a:p>
+          <a:p>
+            <a:pPr lvl="1"/>
+            <a:r>
+              <a:rPr lang="fr-FR" dirty="0" smtClean="0"/>
+              <a:t>--open démarre la navigateur</a:t>
+            </a:r>
+          </a:p>
+          <a:p>
+            <a:pPr lvl="1"/>
+            <a:r>
+              <a:rPr lang="fr-FR" dirty="0" smtClean="0"/>
+              <a:t>Port 4200 par </a:t>
+            </a:r>
+            <a:r>
+              <a:rPr lang="fr-FR" dirty="0" smtClean="0"/>
+              <a:t>défaut</a:t>
+            </a:r>
+          </a:p>
+          <a:p>
+            <a:pPr lvl="1"/>
+            <a:r>
+              <a:rPr lang="fr-FR" dirty="0" smtClean="0"/>
+              <a:t>Effectue un </a:t>
+            </a:r>
+            <a:r>
+              <a:rPr lang="fr-FR" smtClean="0"/>
               <a:t>build</a:t>
             </a:r>
-            <a:endParaRPr lang="fr-FR" dirty="0"/>
-          </a:p>
-          <a:p>
-            <a:r>
-              <a:rPr lang="fr-FR" dirty="0" err="1"/>
-              <a:t>Transpile</a:t>
-            </a:r>
-            <a:r>
-              <a:rPr lang="fr-FR" dirty="0"/>
-              <a:t> dans /</a:t>
-            </a:r>
-            <a:r>
-              <a:rPr lang="fr-FR" dirty="0" err="1" smtClean="0"/>
-              <a:t>dist</a:t>
-            </a:r>
             <a:endParaRPr lang="fr-FR" dirty="0" smtClean="0"/>
-          </a:p>
-          <a:p>
-            <a:pPr lvl="1"/>
-            <a:r>
-              <a:rPr lang="fr-FR" dirty="0" smtClean="0"/>
-              <a:t>--output-</a:t>
-            </a:r>
-            <a:r>
-              <a:rPr lang="fr-FR" dirty="0" err="1" smtClean="0"/>
-              <a:t>path</a:t>
-            </a:r>
-            <a:r>
-              <a:rPr lang="fr-FR" dirty="0" smtClean="0"/>
-              <a:t> change ce répertoire</a:t>
-            </a:r>
-          </a:p>
-          <a:p>
-            <a:r>
-              <a:rPr lang="fr-FR" dirty="0" smtClean="0"/>
-              <a:t>--</a:t>
-            </a:r>
-            <a:r>
-              <a:rPr lang="fr-FR" dirty="0" err="1" smtClean="0"/>
-              <a:t>prod</a:t>
-            </a:r>
-            <a:r>
-              <a:rPr lang="fr-FR" dirty="0" smtClean="0"/>
-              <a:t> </a:t>
-            </a:r>
-            <a:r>
-              <a:rPr lang="fr-FR" dirty="0" err="1" smtClean="0"/>
-              <a:t>uglify</a:t>
-            </a:r>
-            <a:r>
-              <a:rPr lang="fr-FR" dirty="0" smtClean="0"/>
-              <a:t> et </a:t>
-            </a:r>
-            <a:r>
-              <a:rPr lang="fr-FR" dirty="0" err="1" smtClean="0"/>
-              <a:t>minimize</a:t>
-            </a:r>
-            <a:r>
-              <a:rPr lang="fr-FR" dirty="0" smtClean="0"/>
-              <a:t> les fichiers </a:t>
-            </a:r>
-          </a:p>
-          <a:p>
-            <a:r>
-              <a:rPr lang="fr-FR" dirty="0" smtClean="0"/>
-              <a:t>-- base-</a:t>
-            </a:r>
-            <a:r>
-              <a:rPr lang="fr-FR" dirty="0" err="1" smtClean="0"/>
-              <a:t>href</a:t>
-            </a:r>
-            <a:r>
-              <a:rPr lang="fr-FR" dirty="0" smtClean="0"/>
-              <a:t> signifie l’url de base du futur site</a:t>
-            </a:r>
-          </a:p>
-          <a:p>
-            <a:pPr lvl="1"/>
-            <a:r>
-              <a:rPr lang="fr-FR" dirty="0" smtClean="0"/>
-              <a:t>Par exemple –base-</a:t>
-            </a:r>
-            <a:r>
-              <a:rPr lang="fr-FR" dirty="0" err="1" smtClean="0"/>
-              <a:t>href</a:t>
-            </a:r>
-            <a:r>
-              <a:rPr lang="fr-FR" dirty="0"/>
-              <a:t> </a:t>
-            </a:r>
-            <a:r>
-              <a:rPr lang="fr-FR" dirty="0" smtClean="0"/>
-              <a:t>/ signifie que le site sera accessible directement depuis /</a:t>
-            </a:r>
-            <a:endParaRPr lang="fr-FR" dirty="0"/>
           </a:p>
         </p:txBody>
       </p:sp>
     </p:spTree>
     <p:extLst>
       <p:ext uri="{BB962C8B-B14F-4D97-AF65-F5344CB8AC3E}">
-        <p14:creationId xmlns:p14="http://schemas.microsoft.com/office/powerpoint/2010/main" val="191990745"/>
+        <p14:creationId xmlns:p14="http://schemas.microsoft.com/office/powerpoint/2010/main" val="3921982534"/>
       </p:ext>
     </p:extLst>
   </p:cSld>
